--- a/ppt 16-9/0623.得胜得胜.pptx
+++ b/ppt 16-9/0623.得胜得胜.pptx
@@ -129,7 +129,7 @@
           <p:cNvPr id="2" name="标题 1">
             <a:extLst>
               <a:ext uri="{FF2B5EF4-FFF2-40B4-BE49-F238E27FC236}">
-                <a16:creationId xmlns:a16="http://schemas.microsoft.com/office/drawing/2014/main" id="{664487EC-A416-FCAE-CC0C-57219D1854E6}"/>
+                <a16:creationId xmlns:a16="http://schemas.microsoft.com/office/drawing/2014/main" id="{6B34C984-0378-86F1-DD5D-1A9DFBCC05B3}"/>
               </a:ext>
             </a:extLst>
           </p:cNvPr>
@@ -166,7 +166,7 @@
           <p:cNvPr id="3" name="副标题 2">
             <a:extLst>
               <a:ext uri="{FF2B5EF4-FFF2-40B4-BE49-F238E27FC236}">
-                <a16:creationId xmlns:a16="http://schemas.microsoft.com/office/drawing/2014/main" id="{D42F014C-9439-487D-B06E-872FFAD8C878}"/>
+                <a16:creationId xmlns:a16="http://schemas.microsoft.com/office/drawing/2014/main" id="{3A5D79C7-589E-0D76-7AAE-6B5B2300A4BD}"/>
               </a:ext>
             </a:extLst>
           </p:cNvPr>
@@ -236,7 +236,7 @@
           <p:cNvPr id="4" name="日期占位符 3">
             <a:extLst>
               <a:ext uri="{FF2B5EF4-FFF2-40B4-BE49-F238E27FC236}">
-                <a16:creationId xmlns:a16="http://schemas.microsoft.com/office/drawing/2014/main" id="{6432F300-B568-1A64-F504-2179C018409F}"/>
+                <a16:creationId xmlns:a16="http://schemas.microsoft.com/office/drawing/2014/main" id="{0F81D522-0882-C88B-ED80-4F6265BD8D8A}"/>
               </a:ext>
             </a:extLst>
           </p:cNvPr>
@@ -252,7 +252,7 @@
           <a:bodyPr/>
           <a:lstStyle/>
           <a:p>
-            <a:fld id="{019DF0A4-F5AE-4258-9A18-7AF7CC524BC1}" type="datetimeFigureOut">
+            <a:fld id="{FB716D67-15B7-4412-A944-102EF51E2242}" type="datetimeFigureOut">
               <a:rPr lang="zh-CN" altLang="en-US" smtClean="0"/>
               <a:t>2024/3/10</a:t>
             </a:fld>
@@ -265,7 +265,7 @@
           <p:cNvPr id="5" name="页脚占位符 4">
             <a:extLst>
               <a:ext uri="{FF2B5EF4-FFF2-40B4-BE49-F238E27FC236}">
-                <a16:creationId xmlns:a16="http://schemas.microsoft.com/office/drawing/2014/main" id="{2183B27E-1DFA-D82C-C5CE-535024FF1BA1}"/>
+                <a16:creationId xmlns:a16="http://schemas.microsoft.com/office/drawing/2014/main" id="{EC561B01-488D-0789-DE81-096A42BB2E2A}"/>
               </a:ext>
             </a:extLst>
           </p:cNvPr>
@@ -290,7 +290,7 @@
           <p:cNvPr id="6" name="灯片编号占位符 5">
             <a:extLst>
               <a:ext uri="{FF2B5EF4-FFF2-40B4-BE49-F238E27FC236}">
-                <a16:creationId xmlns:a16="http://schemas.microsoft.com/office/drawing/2014/main" id="{124E753C-B139-BD89-6ABD-FDCE5158718C}"/>
+                <a16:creationId xmlns:a16="http://schemas.microsoft.com/office/drawing/2014/main" id="{B95BBC93-5B83-7260-5E9A-3635BCA6D857}"/>
               </a:ext>
             </a:extLst>
           </p:cNvPr>
@@ -306,7 +306,7 @@
           <a:bodyPr/>
           <a:lstStyle/>
           <a:p>
-            <a:fld id="{8F809732-B16B-4986-ABE8-07D23286BADA}" type="slidenum">
+            <a:fld id="{AAC3413F-D851-4041-A122-52770A824764}" type="slidenum">
               <a:rPr lang="zh-CN" altLang="en-US" smtClean="0"/>
               <a:t>‹#›</a:t>
             </a:fld>
@@ -317,7 +317,7 @@
     </p:spTree>
     <p:extLst>
       <p:ext uri="{BB962C8B-B14F-4D97-AF65-F5344CB8AC3E}">
-        <p14:creationId xmlns:p14="http://schemas.microsoft.com/office/powerpoint/2010/main" val="3186212170"/>
+        <p14:creationId xmlns:p14="http://schemas.microsoft.com/office/powerpoint/2010/main" val="295979376"/>
       </p:ext>
     </p:extLst>
   </p:cSld>
@@ -349,7 +349,7 @@
           <p:cNvPr id="2" name="标题 1">
             <a:extLst>
               <a:ext uri="{FF2B5EF4-FFF2-40B4-BE49-F238E27FC236}">
-                <a16:creationId xmlns:a16="http://schemas.microsoft.com/office/drawing/2014/main" id="{A84A6CBE-3E86-530C-AB0C-B21D1C21F382}"/>
+                <a16:creationId xmlns:a16="http://schemas.microsoft.com/office/drawing/2014/main" id="{7C086D30-1EEF-E466-67DF-2C6448353366}"/>
               </a:ext>
             </a:extLst>
           </p:cNvPr>
@@ -377,7 +377,7 @@
           <p:cNvPr id="3" name="竖排文字占位符 2">
             <a:extLst>
               <a:ext uri="{FF2B5EF4-FFF2-40B4-BE49-F238E27FC236}">
-                <a16:creationId xmlns:a16="http://schemas.microsoft.com/office/drawing/2014/main" id="{38E8E176-C5EB-8F08-23D4-E9B5DBFF2D55}"/>
+                <a16:creationId xmlns:a16="http://schemas.microsoft.com/office/drawing/2014/main" id="{79EEC409-6546-6036-ACE5-74EF5B8B2F45}"/>
               </a:ext>
             </a:extLst>
           </p:cNvPr>
@@ -434,7 +434,7 @@
           <p:cNvPr id="4" name="日期占位符 3">
             <a:extLst>
               <a:ext uri="{FF2B5EF4-FFF2-40B4-BE49-F238E27FC236}">
-                <a16:creationId xmlns:a16="http://schemas.microsoft.com/office/drawing/2014/main" id="{AC856A92-F3BB-6C2F-56DC-89730C95E20C}"/>
+                <a16:creationId xmlns:a16="http://schemas.microsoft.com/office/drawing/2014/main" id="{A37839EB-6B73-00E7-C3EE-A7E12EA25E42}"/>
               </a:ext>
             </a:extLst>
           </p:cNvPr>
@@ -450,7 +450,7 @@
           <a:bodyPr/>
           <a:lstStyle/>
           <a:p>
-            <a:fld id="{019DF0A4-F5AE-4258-9A18-7AF7CC524BC1}" type="datetimeFigureOut">
+            <a:fld id="{FB716D67-15B7-4412-A944-102EF51E2242}" type="datetimeFigureOut">
               <a:rPr lang="zh-CN" altLang="en-US" smtClean="0"/>
               <a:t>2024/3/10</a:t>
             </a:fld>
@@ -463,7 +463,7 @@
           <p:cNvPr id="5" name="页脚占位符 4">
             <a:extLst>
               <a:ext uri="{FF2B5EF4-FFF2-40B4-BE49-F238E27FC236}">
-                <a16:creationId xmlns:a16="http://schemas.microsoft.com/office/drawing/2014/main" id="{6E8E156F-D528-AC04-2E8C-184BD3D6501A}"/>
+                <a16:creationId xmlns:a16="http://schemas.microsoft.com/office/drawing/2014/main" id="{4809510B-3B3F-4D0D-E139-717DB36F47FD}"/>
               </a:ext>
             </a:extLst>
           </p:cNvPr>
@@ -488,7 +488,7 @@
           <p:cNvPr id="6" name="灯片编号占位符 5">
             <a:extLst>
               <a:ext uri="{FF2B5EF4-FFF2-40B4-BE49-F238E27FC236}">
-                <a16:creationId xmlns:a16="http://schemas.microsoft.com/office/drawing/2014/main" id="{48F55A55-135A-8F24-FFCC-0BC31378BCDA}"/>
+                <a16:creationId xmlns:a16="http://schemas.microsoft.com/office/drawing/2014/main" id="{A57BE120-39B7-3726-34B4-4A2119DC5824}"/>
               </a:ext>
             </a:extLst>
           </p:cNvPr>
@@ -504,7 +504,7 @@
           <a:bodyPr/>
           <a:lstStyle/>
           <a:p>
-            <a:fld id="{8F809732-B16B-4986-ABE8-07D23286BADA}" type="slidenum">
+            <a:fld id="{AAC3413F-D851-4041-A122-52770A824764}" type="slidenum">
               <a:rPr lang="zh-CN" altLang="en-US" smtClean="0"/>
               <a:t>‹#›</a:t>
             </a:fld>
@@ -515,7 +515,7 @@
     </p:spTree>
     <p:extLst>
       <p:ext uri="{BB962C8B-B14F-4D97-AF65-F5344CB8AC3E}">
-        <p14:creationId xmlns:p14="http://schemas.microsoft.com/office/powerpoint/2010/main" val="2539076259"/>
+        <p14:creationId xmlns:p14="http://schemas.microsoft.com/office/powerpoint/2010/main" val="3665540452"/>
       </p:ext>
     </p:extLst>
   </p:cSld>
@@ -547,7 +547,7 @@
           <p:cNvPr id="2" name="竖排标题 1">
             <a:extLst>
               <a:ext uri="{FF2B5EF4-FFF2-40B4-BE49-F238E27FC236}">
-                <a16:creationId xmlns:a16="http://schemas.microsoft.com/office/drawing/2014/main" id="{E77B0B5F-BFDC-6504-6A0B-791EC5298827}"/>
+                <a16:creationId xmlns:a16="http://schemas.microsoft.com/office/drawing/2014/main" id="{72ED6C9C-FFED-229C-1C11-19B65BC12154}"/>
               </a:ext>
             </a:extLst>
           </p:cNvPr>
@@ -580,7 +580,7 @@
           <p:cNvPr id="3" name="竖排文字占位符 2">
             <a:extLst>
               <a:ext uri="{FF2B5EF4-FFF2-40B4-BE49-F238E27FC236}">
-                <a16:creationId xmlns:a16="http://schemas.microsoft.com/office/drawing/2014/main" id="{6BA1EF90-731A-665E-FD0E-2961D3C53E4D}"/>
+                <a16:creationId xmlns:a16="http://schemas.microsoft.com/office/drawing/2014/main" id="{D25D77F9-1391-BB50-218E-4F1F9F0AD271}"/>
               </a:ext>
             </a:extLst>
           </p:cNvPr>
@@ -642,7 +642,7 @@
           <p:cNvPr id="4" name="日期占位符 3">
             <a:extLst>
               <a:ext uri="{FF2B5EF4-FFF2-40B4-BE49-F238E27FC236}">
-                <a16:creationId xmlns:a16="http://schemas.microsoft.com/office/drawing/2014/main" id="{CD84F1C5-6898-F0CB-D1A1-580735D6E2FA}"/>
+                <a16:creationId xmlns:a16="http://schemas.microsoft.com/office/drawing/2014/main" id="{455DF628-E245-1DCF-0158-A7C80E8B0596}"/>
               </a:ext>
             </a:extLst>
           </p:cNvPr>
@@ -658,7 +658,7 @@
           <a:bodyPr/>
           <a:lstStyle/>
           <a:p>
-            <a:fld id="{019DF0A4-F5AE-4258-9A18-7AF7CC524BC1}" type="datetimeFigureOut">
+            <a:fld id="{FB716D67-15B7-4412-A944-102EF51E2242}" type="datetimeFigureOut">
               <a:rPr lang="zh-CN" altLang="en-US" smtClean="0"/>
               <a:t>2024/3/10</a:t>
             </a:fld>
@@ -671,7 +671,7 @@
           <p:cNvPr id="5" name="页脚占位符 4">
             <a:extLst>
               <a:ext uri="{FF2B5EF4-FFF2-40B4-BE49-F238E27FC236}">
-                <a16:creationId xmlns:a16="http://schemas.microsoft.com/office/drawing/2014/main" id="{84991772-1499-379F-6788-93FBFD176E7E}"/>
+                <a16:creationId xmlns:a16="http://schemas.microsoft.com/office/drawing/2014/main" id="{67A729C7-5D87-7698-1713-491F2161C1D0}"/>
               </a:ext>
             </a:extLst>
           </p:cNvPr>
@@ -696,7 +696,7 @@
           <p:cNvPr id="6" name="灯片编号占位符 5">
             <a:extLst>
               <a:ext uri="{FF2B5EF4-FFF2-40B4-BE49-F238E27FC236}">
-                <a16:creationId xmlns:a16="http://schemas.microsoft.com/office/drawing/2014/main" id="{BD1D27A2-6C2C-7FC1-ED74-75C2996C23B2}"/>
+                <a16:creationId xmlns:a16="http://schemas.microsoft.com/office/drawing/2014/main" id="{77516B4B-5EB2-7383-439E-5F1100333631}"/>
               </a:ext>
             </a:extLst>
           </p:cNvPr>
@@ -712,7 +712,7 @@
           <a:bodyPr/>
           <a:lstStyle/>
           <a:p>
-            <a:fld id="{8F809732-B16B-4986-ABE8-07D23286BADA}" type="slidenum">
+            <a:fld id="{AAC3413F-D851-4041-A122-52770A824764}" type="slidenum">
               <a:rPr lang="zh-CN" altLang="en-US" smtClean="0"/>
               <a:t>‹#›</a:t>
             </a:fld>
@@ -723,7 +723,7 @@
     </p:spTree>
     <p:extLst>
       <p:ext uri="{BB962C8B-B14F-4D97-AF65-F5344CB8AC3E}">
-        <p14:creationId xmlns:p14="http://schemas.microsoft.com/office/powerpoint/2010/main" val="384058000"/>
+        <p14:creationId xmlns:p14="http://schemas.microsoft.com/office/powerpoint/2010/main" val="2845684524"/>
       </p:ext>
     </p:extLst>
   </p:cSld>
@@ -755,7 +755,7 @@
           <p:cNvPr id="2" name="标题 1">
             <a:extLst>
               <a:ext uri="{FF2B5EF4-FFF2-40B4-BE49-F238E27FC236}">
-                <a16:creationId xmlns:a16="http://schemas.microsoft.com/office/drawing/2014/main" id="{C0592A77-5C5C-434F-61D5-F09BCFBE8A8B}"/>
+                <a16:creationId xmlns:a16="http://schemas.microsoft.com/office/drawing/2014/main" id="{F224C8D0-09A0-611B-64EB-9599A953C5D8}"/>
               </a:ext>
             </a:extLst>
           </p:cNvPr>
@@ -783,7 +783,7 @@
           <p:cNvPr id="3" name="内容占位符 2">
             <a:extLst>
               <a:ext uri="{FF2B5EF4-FFF2-40B4-BE49-F238E27FC236}">
-                <a16:creationId xmlns:a16="http://schemas.microsoft.com/office/drawing/2014/main" id="{4A2B0372-D936-1E08-37AE-09B185D75F91}"/>
+                <a16:creationId xmlns:a16="http://schemas.microsoft.com/office/drawing/2014/main" id="{B7153CB9-E5B0-7DA6-B153-866BC59DA0B4}"/>
               </a:ext>
             </a:extLst>
           </p:cNvPr>
@@ -840,7 +840,7 @@
           <p:cNvPr id="4" name="日期占位符 3">
             <a:extLst>
               <a:ext uri="{FF2B5EF4-FFF2-40B4-BE49-F238E27FC236}">
-                <a16:creationId xmlns:a16="http://schemas.microsoft.com/office/drawing/2014/main" id="{91C36EAB-86F1-61FC-1EC6-C391B2657EA2}"/>
+                <a16:creationId xmlns:a16="http://schemas.microsoft.com/office/drawing/2014/main" id="{F4579A65-6CBF-C20D-281A-10C766407454}"/>
               </a:ext>
             </a:extLst>
           </p:cNvPr>
@@ -856,7 +856,7 @@
           <a:bodyPr/>
           <a:lstStyle/>
           <a:p>
-            <a:fld id="{019DF0A4-F5AE-4258-9A18-7AF7CC524BC1}" type="datetimeFigureOut">
+            <a:fld id="{FB716D67-15B7-4412-A944-102EF51E2242}" type="datetimeFigureOut">
               <a:rPr lang="zh-CN" altLang="en-US" smtClean="0"/>
               <a:t>2024/3/10</a:t>
             </a:fld>
@@ -869,7 +869,7 @@
           <p:cNvPr id="5" name="页脚占位符 4">
             <a:extLst>
               <a:ext uri="{FF2B5EF4-FFF2-40B4-BE49-F238E27FC236}">
-                <a16:creationId xmlns:a16="http://schemas.microsoft.com/office/drawing/2014/main" id="{CCFC5841-B4A6-B5A2-5E4E-A2D89AB6E233}"/>
+                <a16:creationId xmlns:a16="http://schemas.microsoft.com/office/drawing/2014/main" id="{2E5F5CC5-59B7-8131-DF57-B48007329ACC}"/>
               </a:ext>
             </a:extLst>
           </p:cNvPr>
@@ -894,7 +894,7 @@
           <p:cNvPr id="6" name="灯片编号占位符 5">
             <a:extLst>
               <a:ext uri="{FF2B5EF4-FFF2-40B4-BE49-F238E27FC236}">
-                <a16:creationId xmlns:a16="http://schemas.microsoft.com/office/drawing/2014/main" id="{3051FD6B-DB55-7EF2-4E32-B1AD4B6C224C}"/>
+                <a16:creationId xmlns:a16="http://schemas.microsoft.com/office/drawing/2014/main" id="{69B2325E-1726-4EEB-963F-622555149923}"/>
               </a:ext>
             </a:extLst>
           </p:cNvPr>
@@ -910,7 +910,7 @@
           <a:bodyPr/>
           <a:lstStyle/>
           <a:p>
-            <a:fld id="{8F809732-B16B-4986-ABE8-07D23286BADA}" type="slidenum">
+            <a:fld id="{AAC3413F-D851-4041-A122-52770A824764}" type="slidenum">
               <a:rPr lang="zh-CN" altLang="en-US" smtClean="0"/>
               <a:t>‹#›</a:t>
             </a:fld>
@@ -921,7 +921,7 @@
     </p:spTree>
     <p:extLst>
       <p:ext uri="{BB962C8B-B14F-4D97-AF65-F5344CB8AC3E}">
-        <p14:creationId xmlns:p14="http://schemas.microsoft.com/office/powerpoint/2010/main" val="4233031001"/>
+        <p14:creationId xmlns:p14="http://schemas.microsoft.com/office/powerpoint/2010/main" val="2634179025"/>
       </p:ext>
     </p:extLst>
   </p:cSld>
@@ -953,7 +953,7 @@
           <p:cNvPr id="2" name="标题 1">
             <a:extLst>
               <a:ext uri="{FF2B5EF4-FFF2-40B4-BE49-F238E27FC236}">
-                <a16:creationId xmlns:a16="http://schemas.microsoft.com/office/drawing/2014/main" id="{614DC206-336F-CAB5-993B-5B6988B7FA22}"/>
+                <a16:creationId xmlns:a16="http://schemas.microsoft.com/office/drawing/2014/main" id="{414401E2-0819-8590-B776-BF45C30C2EE3}"/>
               </a:ext>
             </a:extLst>
           </p:cNvPr>
@@ -990,7 +990,7 @@
           <p:cNvPr id="3" name="文本占位符 2">
             <a:extLst>
               <a:ext uri="{FF2B5EF4-FFF2-40B4-BE49-F238E27FC236}">
-                <a16:creationId xmlns:a16="http://schemas.microsoft.com/office/drawing/2014/main" id="{84905C9C-EB78-DBF5-0EB7-75F79601EC40}"/>
+                <a16:creationId xmlns:a16="http://schemas.microsoft.com/office/drawing/2014/main" id="{85726CA7-8B5F-BB9B-84CD-083E408B10A6}"/>
               </a:ext>
             </a:extLst>
           </p:cNvPr>
@@ -1115,7 +1115,7 @@
           <p:cNvPr id="4" name="日期占位符 3">
             <a:extLst>
               <a:ext uri="{FF2B5EF4-FFF2-40B4-BE49-F238E27FC236}">
-                <a16:creationId xmlns:a16="http://schemas.microsoft.com/office/drawing/2014/main" id="{989416E7-185D-8BC0-6C4E-77C1AA9537D5}"/>
+                <a16:creationId xmlns:a16="http://schemas.microsoft.com/office/drawing/2014/main" id="{71BB7E1E-C4BA-4450-D15C-2DE8B39D1F86}"/>
               </a:ext>
             </a:extLst>
           </p:cNvPr>
@@ -1131,7 +1131,7 @@
           <a:bodyPr/>
           <a:lstStyle/>
           <a:p>
-            <a:fld id="{019DF0A4-F5AE-4258-9A18-7AF7CC524BC1}" type="datetimeFigureOut">
+            <a:fld id="{FB716D67-15B7-4412-A944-102EF51E2242}" type="datetimeFigureOut">
               <a:rPr lang="zh-CN" altLang="en-US" smtClean="0"/>
               <a:t>2024/3/10</a:t>
             </a:fld>
@@ -1144,7 +1144,7 @@
           <p:cNvPr id="5" name="页脚占位符 4">
             <a:extLst>
               <a:ext uri="{FF2B5EF4-FFF2-40B4-BE49-F238E27FC236}">
-                <a16:creationId xmlns:a16="http://schemas.microsoft.com/office/drawing/2014/main" id="{611B4180-3A54-D9C6-E34C-6D55943356D9}"/>
+                <a16:creationId xmlns:a16="http://schemas.microsoft.com/office/drawing/2014/main" id="{74CDBC00-4EED-9805-00D5-F0DBD1EE79D9}"/>
               </a:ext>
             </a:extLst>
           </p:cNvPr>
@@ -1169,7 +1169,7 @@
           <p:cNvPr id="6" name="灯片编号占位符 5">
             <a:extLst>
               <a:ext uri="{FF2B5EF4-FFF2-40B4-BE49-F238E27FC236}">
-                <a16:creationId xmlns:a16="http://schemas.microsoft.com/office/drawing/2014/main" id="{03009E77-B3CA-A9C2-477A-0F283B90A2F5}"/>
+                <a16:creationId xmlns:a16="http://schemas.microsoft.com/office/drawing/2014/main" id="{5E89FC84-A7CD-3DD9-EB8D-A86751CE25BE}"/>
               </a:ext>
             </a:extLst>
           </p:cNvPr>
@@ -1185,7 +1185,7 @@
           <a:bodyPr/>
           <a:lstStyle/>
           <a:p>
-            <a:fld id="{8F809732-B16B-4986-ABE8-07D23286BADA}" type="slidenum">
+            <a:fld id="{AAC3413F-D851-4041-A122-52770A824764}" type="slidenum">
               <a:rPr lang="zh-CN" altLang="en-US" smtClean="0"/>
               <a:t>‹#›</a:t>
             </a:fld>
@@ -1196,7 +1196,7 @@
     </p:spTree>
     <p:extLst>
       <p:ext uri="{BB962C8B-B14F-4D97-AF65-F5344CB8AC3E}">
-        <p14:creationId xmlns:p14="http://schemas.microsoft.com/office/powerpoint/2010/main" val="3500208946"/>
+        <p14:creationId xmlns:p14="http://schemas.microsoft.com/office/powerpoint/2010/main" val="227737127"/>
       </p:ext>
     </p:extLst>
   </p:cSld>
@@ -1228,7 +1228,7 @@
           <p:cNvPr id="2" name="标题 1">
             <a:extLst>
               <a:ext uri="{FF2B5EF4-FFF2-40B4-BE49-F238E27FC236}">
-                <a16:creationId xmlns:a16="http://schemas.microsoft.com/office/drawing/2014/main" id="{40F56798-6210-AF0D-D291-BE651E175DA2}"/>
+                <a16:creationId xmlns:a16="http://schemas.microsoft.com/office/drawing/2014/main" id="{0D09164D-B6BA-37BF-FB31-7207C50015EE}"/>
               </a:ext>
             </a:extLst>
           </p:cNvPr>
@@ -1256,7 +1256,7 @@
           <p:cNvPr id="3" name="内容占位符 2">
             <a:extLst>
               <a:ext uri="{FF2B5EF4-FFF2-40B4-BE49-F238E27FC236}">
-                <a16:creationId xmlns:a16="http://schemas.microsoft.com/office/drawing/2014/main" id="{7ACF544D-2D6E-8861-55D2-A6A53CE6AB97}"/>
+                <a16:creationId xmlns:a16="http://schemas.microsoft.com/office/drawing/2014/main" id="{7BAC41AB-EED1-F055-EEA1-22818B9EC6D6}"/>
               </a:ext>
             </a:extLst>
           </p:cNvPr>
@@ -1318,7 +1318,7 @@
           <p:cNvPr id="4" name="内容占位符 3">
             <a:extLst>
               <a:ext uri="{FF2B5EF4-FFF2-40B4-BE49-F238E27FC236}">
-                <a16:creationId xmlns:a16="http://schemas.microsoft.com/office/drawing/2014/main" id="{70912DEA-6328-9DBC-83DF-19A0D811D588}"/>
+                <a16:creationId xmlns:a16="http://schemas.microsoft.com/office/drawing/2014/main" id="{EA2D6D62-A00F-1578-13DF-4B3D9902D763}"/>
               </a:ext>
             </a:extLst>
           </p:cNvPr>
@@ -1380,7 +1380,7 @@
           <p:cNvPr id="5" name="日期占位符 4">
             <a:extLst>
               <a:ext uri="{FF2B5EF4-FFF2-40B4-BE49-F238E27FC236}">
-                <a16:creationId xmlns:a16="http://schemas.microsoft.com/office/drawing/2014/main" id="{676DD359-CE37-ECF1-DB10-8C8201309B06}"/>
+                <a16:creationId xmlns:a16="http://schemas.microsoft.com/office/drawing/2014/main" id="{E5EA019D-1A42-782C-E7EF-CDEFF5D21F21}"/>
               </a:ext>
             </a:extLst>
           </p:cNvPr>
@@ -1396,7 +1396,7 @@
           <a:bodyPr/>
           <a:lstStyle/>
           <a:p>
-            <a:fld id="{019DF0A4-F5AE-4258-9A18-7AF7CC524BC1}" type="datetimeFigureOut">
+            <a:fld id="{FB716D67-15B7-4412-A944-102EF51E2242}" type="datetimeFigureOut">
               <a:rPr lang="zh-CN" altLang="en-US" smtClean="0"/>
               <a:t>2024/3/10</a:t>
             </a:fld>
@@ -1409,7 +1409,7 @@
           <p:cNvPr id="6" name="页脚占位符 5">
             <a:extLst>
               <a:ext uri="{FF2B5EF4-FFF2-40B4-BE49-F238E27FC236}">
-                <a16:creationId xmlns:a16="http://schemas.microsoft.com/office/drawing/2014/main" id="{1AEB3E54-6D37-331F-FA0D-88CAB1CDA37B}"/>
+                <a16:creationId xmlns:a16="http://schemas.microsoft.com/office/drawing/2014/main" id="{27FE7366-1D1E-5FA4-ABBF-A7A3A2A13FBE}"/>
               </a:ext>
             </a:extLst>
           </p:cNvPr>
@@ -1434,7 +1434,7 @@
           <p:cNvPr id="7" name="灯片编号占位符 6">
             <a:extLst>
               <a:ext uri="{FF2B5EF4-FFF2-40B4-BE49-F238E27FC236}">
-                <a16:creationId xmlns:a16="http://schemas.microsoft.com/office/drawing/2014/main" id="{7BF1307F-DB60-FB8E-44F4-BBA2A07B0BCF}"/>
+                <a16:creationId xmlns:a16="http://schemas.microsoft.com/office/drawing/2014/main" id="{3675313C-259C-8025-0E2D-078BD8E3784F}"/>
               </a:ext>
             </a:extLst>
           </p:cNvPr>
@@ -1450,7 +1450,7 @@
           <a:bodyPr/>
           <a:lstStyle/>
           <a:p>
-            <a:fld id="{8F809732-B16B-4986-ABE8-07D23286BADA}" type="slidenum">
+            <a:fld id="{AAC3413F-D851-4041-A122-52770A824764}" type="slidenum">
               <a:rPr lang="zh-CN" altLang="en-US" smtClean="0"/>
               <a:t>‹#›</a:t>
             </a:fld>
@@ -1461,7 +1461,7 @@
     </p:spTree>
     <p:extLst>
       <p:ext uri="{BB962C8B-B14F-4D97-AF65-F5344CB8AC3E}">
-        <p14:creationId xmlns:p14="http://schemas.microsoft.com/office/powerpoint/2010/main" val="491900648"/>
+        <p14:creationId xmlns:p14="http://schemas.microsoft.com/office/powerpoint/2010/main" val="1914876479"/>
       </p:ext>
     </p:extLst>
   </p:cSld>
@@ -1493,7 +1493,7 @@
           <p:cNvPr id="2" name="标题 1">
             <a:extLst>
               <a:ext uri="{FF2B5EF4-FFF2-40B4-BE49-F238E27FC236}">
-                <a16:creationId xmlns:a16="http://schemas.microsoft.com/office/drawing/2014/main" id="{8DFA18E3-B791-D09A-3A92-E44CA6CA8B8A}"/>
+                <a16:creationId xmlns:a16="http://schemas.microsoft.com/office/drawing/2014/main" id="{73064284-4570-D024-80CB-67D270BE97F8}"/>
               </a:ext>
             </a:extLst>
           </p:cNvPr>
@@ -1526,7 +1526,7 @@
           <p:cNvPr id="3" name="文本占位符 2">
             <a:extLst>
               <a:ext uri="{FF2B5EF4-FFF2-40B4-BE49-F238E27FC236}">
-                <a16:creationId xmlns:a16="http://schemas.microsoft.com/office/drawing/2014/main" id="{EE611641-3372-9AF5-59DC-AE4F93855ADF}"/>
+                <a16:creationId xmlns:a16="http://schemas.microsoft.com/office/drawing/2014/main" id="{571693A2-9386-0CAA-DA0E-5C7A4B65FE0D}"/>
               </a:ext>
             </a:extLst>
           </p:cNvPr>
@@ -1597,7 +1597,7 @@
           <p:cNvPr id="4" name="内容占位符 3">
             <a:extLst>
               <a:ext uri="{FF2B5EF4-FFF2-40B4-BE49-F238E27FC236}">
-                <a16:creationId xmlns:a16="http://schemas.microsoft.com/office/drawing/2014/main" id="{CE8BAF9C-38D0-C7AD-4FDA-CED6413CA6E3}"/>
+                <a16:creationId xmlns:a16="http://schemas.microsoft.com/office/drawing/2014/main" id="{51DEA3C0-C022-7661-4CA8-52178AC1CEFB}"/>
               </a:ext>
             </a:extLst>
           </p:cNvPr>
@@ -1659,7 +1659,7 @@
           <p:cNvPr id="5" name="文本占位符 4">
             <a:extLst>
               <a:ext uri="{FF2B5EF4-FFF2-40B4-BE49-F238E27FC236}">
-                <a16:creationId xmlns:a16="http://schemas.microsoft.com/office/drawing/2014/main" id="{0F22C8B9-1568-03D0-CA63-AB971FF810B8}"/>
+                <a16:creationId xmlns:a16="http://schemas.microsoft.com/office/drawing/2014/main" id="{07038B4C-4AC3-6353-4B2A-162B7A6931A8}"/>
               </a:ext>
             </a:extLst>
           </p:cNvPr>
@@ -1730,7 +1730,7 @@
           <p:cNvPr id="6" name="内容占位符 5">
             <a:extLst>
               <a:ext uri="{FF2B5EF4-FFF2-40B4-BE49-F238E27FC236}">
-                <a16:creationId xmlns:a16="http://schemas.microsoft.com/office/drawing/2014/main" id="{0FF7EF26-85AD-7DE1-6FC2-A0439F29133D}"/>
+                <a16:creationId xmlns:a16="http://schemas.microsoft.com/office/drawing/2014/main" id="{3CFCA7F9-1583-5A0C-CAEF-9820841F7F49}"/>
               </a:ext>
             </a:extLst>
           </p:cNvPr>
@@ -1792,7 +1792,7 @@
           <p:cNvPr id="7" name="日期占位符 6">
             <a:extLst>
               <a:ext uri="{FF2B5EF4-FFF2-40B4-BE49-F238E27FC236}">
-                <a16:creationId xmlns:a16="http://schemas.microsoft.com/office/drawing/2014/main" id="{D2D7DCD9-9790-431D-EE53-F8E43B33A1A8}"/>
+                <a16:creationId xmlns:a16="http://schemas.microsoft.com/office/drawing/2014/main" id="{54B962E7-177B-855F-8E7D-D2D4ECDC02D2}"/>
               </a:ext>
             </a:extLst>
           </p:cNvPr>
@@ -1808,7 +1808,7 @@
           <a:bodyPr/>
           <a:lstStyle/>
           <a:p>
-            <a:fld id="{019DF0A4-F5AE-4258-9A18-7AF7CC524BC1}" type="datetimeFigureOut">
+            <a:fld id="{FB716D67-15B7-4412-A944-102EF51E2242}" type="datetimeFigureOut">
               <a:rPr lang="zh-CN" altLang="en-US" smtClean="0"/>
               <a:t>2024/3/10</a:t>
             </a:fld>
@@ -1821,7 +1821,7 @@
           <p:cNvPr id="8" name="页脚占位符 7">
             <a:extLst>
               <a:ext uri="{FF2B5EF4-FFF2-40B4-BE49-F238E27FC236}">
-                <a16:creationId xmlns:a16="http://schemas.microsoft.com/office/drawing/2014/main" id="{5D31CE29-3742-A32D-EED9-56C1F378EBC0}"/>
+                <a16:creationId xmlns:a16="http://schemas.microsoft.com/office/drawing/2014/main" id="{07C7F1DE-D8B3-3D1A-775C-078E5C0340F8}"/>
               </a:ext>
             </a:extLst>
           </p:cNvPr>
@@ -1846,7 +1846,7 @@
           <p:cNvPr id="9" name="灯片编号占位符 8">
             <a:extLst>
               <a:ext uri="{FF2B5EF4-FFF2-40B4-BE49-F238E27FC236}">
-                <a16:creationId xmlns:a16="http://schemas.microsoft.com/office/drawing/2014/main" id="{3004BE4D-C070-AC11-9037-ACF219928A56}"/>
+                <a16:creationId xmlns:a16="http://schemas.microsoft.com/office/drawing/2014/main" id="{352D8983-FD16-67DC-670E-731B047CF003}"/>
               </a:ext>
             </a:extLst>
           </p:cNvPr>
@@ -1862,7 +1862,7 @@
           <a:bodyPr/>
           <a:lstStyle/>
           <a:p>
-            <a:fld id="{8F809732-B16B-4986-ABE8-07D23286BADA}" type="slidenum">
+            <a:fld id="{AAC3413F-D851-4041-A122-52770A824764}" type="slidenum">
               <a:rPr lang="zh-CN" altLang="en-US" smtClean="0"/>
               <a:t>‹#›</a:t>
             </a:fld>
@@ -1873,7 +1873,7 @@
     </p:spTree>
     <p:extLst>
       <p:ext uri="{BB962C8B-B14F-4D97-AF65-F5344CB8AC3E}">
-        <p14:creationId xmlns:p14="http://schemas.microsoft.com/office/powerpoint/2010/main" val="1198294962"/>
+        <p14:creationId xmlns:p14="http://schemas.microsoft.com/office/powerpoint/2010/main" val="2740606994"/>
       </p:ext>
     </p:extLst>
   </p:cSld>
@@ -1905,7 +1905,7 @@
           <p:cNvPr id="2" name="标题 1">
             <a:extLst>
               <a:ext uri="{FF2B5EF4-FFF2-40B4-BE49-F238E27FC236}">
-                <a16:creationId xmlns:a16="http://schemas.microsoft.com/office/drawing/2014/main" id="{7CED9690-43CC-71CF-D07E-479D15B60656}"/>
+                <a16:creationId xmlns:a16="http://schemas.microsoft.com/office/drawing/2014/main" id="{3E4E6B63-6A30-9CE8-8C6B-88A7A1029FD0}"/>
               </a:ext>
             </a:extLst>
           </p:cNvPr>
@@ -1933,7 +1933,7 @@
           <p:cNvPr id="3" name="日期占位符 2">
             <a:extLst>
               <a:ext uri="{FF2B5EF4-FFF2-40B4-BE49-F238E27FC236}">
-                <a16:creationId xmlns:a16="http://schemas.microsoft.com/office/drawing/2014/main" id="{A9D823E9-5C69-C584-95BB-653A39ADD32E}"/>
+                <a16:creationId xmlns:a16="http://schemas.microsoft.com/office/drawing/2014/main" id="{CD4DAD12-C2AE-ED78-FCD8-D01AC0C98A39}"/>
               </a:ext>
             </a:extLst>
           </p:cNvPr>
@@ -1949,7 +1949,7 @@
           <a:bodyPr/>
           <a:lstStyle/>
           <a:p>
-            <a:fld id="{019DF0A4-F5AE-4258-9A18-7AF7CC524BC1}" type="datetimeFigureOut">
+            <a:fld id="{FB716D67-15B7-4412-A944-102EF51E2242}" type="datetimeFigureOut">
               <a:rPr lang="zh-CN" altLang="en-US" smtClean="0"/>
               <a:t>2024/3/10</a:t>
             </a:fld>
@@ -1962,7 +1962,7 @@
           <p:cNvPr id="4" name="页脚占位符 3">
             <a:extLst>
               <a:ext uri="{FF2B5EF4-FFF2-40B4-BE49-F238E27FC236}">
-                <a16:creationId xmlns:a16="http://schemas.microsoft.com/office/drawing/2014/main" id="{EB923626-A3FA-D1F3-D98E-F61CDAC97119}"/>
+                <a16:creationId xmlns:a16="http://schemas.microsoft.com/office/drawing/2014/main" id="{D0EF1150-A941-FE88-9B1F-7B25E305BBCE}"/>
               </a:ext>
             </a:extLst>
           </p:cNvPr>
@@ -1987,7 +1987,7 @@
           <p:cNvPr id="5" name="灯片编号占位符 4">
             <a:extLst>
               <a:ext uri="{FF2B5EF4-FFF2-40B4-BE49-F238E27FC236}">
-                <a16:creationId xmlns:a16="http://schemas.microsoft.com/office/drawing/2014/main" id="{AF90D568-6562-94A0-F00C-C600D0A791E7}"/>
+                <a16:creationId xmlns:a16="http://schemas.microsoft.com/office/drawing/2014/main" id="{371A8FC3-022E-9DE1-BFB8-77C64567028D}"/>
               </a:ext>
             </a:extLst>
           </p:cNvPr>
@@ -2003,7 +2003,7 @@
           <a:bodyPr/>
           <a:lstStyle/>
           <a:p>
-            <a:fld id="{8F809732-B16B-4986-ABE8-07D23286BADA}" type="slidenum">
+            <a:fld id="{AAC3413F-D851-4041-A122-52770A824764}" type="slidenum">
               <a:rPr lang="zh-CN" altLang="en-US" smtClean="0"/>
               <a:t>‹#›</a:t>
             </a:fld>
@@ -2014,7 +2014,7 @@
     </p:spTree>
     <p:extLst>
       <p:ext uri="{BB962C8B-B14F-4D97-AF65-F5344CB8AC3E}">
-        <p14:creationId xmlns:p14="http://schemas.microsoft.com/office/powerpoint/2010/main" val="2180515380"/>
+        <p14:creationId xmlns:p14="http://schemas.microsoft.com/office/powerpoint/2010/main" val="2885816811"/>
       </p:ext>
     </p:extLst>
   </p:cSld>
@@ -2046,7 +2046,7 @@
           <p:cNvPr id="2" name="日期占位符 1">
             <a:extLst>
               <a:ext uri="{FF2B5EF4-FFF2-40B4-BE49-F238E27FC236}">
-                <a16:creationId xmlns:a16="http://schemas.microsoft.com/office/drawing/2014/main" id="{12623F43-9C27-3B57-4A46-20C71A574782}"/>
+                <a16:creationId xmlns:a16="http://schemas.microsoft.com/office/drawing/2014/main" id="{8151C2C3-E1C5-B033-CB77-905FEDC68166}"/>
               </a:ext>
             </a:extLst>
           </p:cNvPr>
@@ -2062,7 +2062,7 @@
           <a:bodyPr/>
           <a:lstStyle/>
           <a:p>
-            <a:fld id="{019DF0A4-F5AE-4258-9A18-7AF7CC524BC1}" type="datetimeFigureOut">
+            <a:fld id="{FB716D67-15B7-4412-A944-102EF51E2242}" type="datetimeFigureOut">
               <a:rPr lang="zh-CN" altLang="en-US" smtClean="0"/>
               <a:t>2024/3/10</a:t>
             </a:fld>
@@ -2075,7 +2075,7 @@
           <p:cNvPr id="3" name="页脚占位符 2">
             <a:extLst>
               <a:ext uri="{FF2B5EF4-FFF2-40B4-BE49-F238E27FC236}">
-                <a16:creationId xmlns:a16="http://schemas.microsoft.com/office/drawing/2014/main" id="{72621250-7A39-50BF-C3A3-F0C4A6A36DC6}"/>
+                <a16:creationId xmlns:a16="http://schemas.microsoft.com/office/drawing/2014/main" id="{3675ABFA-880E-7590-6B79-D3296B78AB1D}"/>
               </a:ext>
             </a:extLst>
           </p:cNvPr>
@@ -2100,7 +2100,7 @@
           <p:cNvPr id="4" name="灯片编号占位符 3">
             <a:extLst>
               <a:ext uri="{FF2B5EF4-FFF2-40B4-BE49-F238E27FC236}">
-                <a16:creationId xmlns:a16="http://schemas.microsoft.com/office/drawing/2014/main" id="{776CF433-E0E0-1707-BA44-4AAC5AF209BC}"/>
+                <a16:creationId xmlns:a16="http://schemas.microsoft.com/office/drawing/2014/main" id="{FF3885BB-A0C8-D821-F591-E8946B1F8FDF}"/>
               </a:ext>
             </a:extLst>
           </p:cNvPr>
@@ -2116,7 +2116,7 @@
           <a:bodyPr/>
           <a:lstStyle/>
           <a:p>
-            <a:fld id="{8F809732-B16B-4986-ABE8-07D23286BADA}" type="slidenum">
+            <a:fld id="{AAC3413F-D851-4041-A122-52770A824764}" type="slidenum">
               <a:rPr lang="zh-CN" altLang="en-US" smtClean="0"/>
               <a:t>‹#›</a:t>
             </a:fld>
@@ -2127,7 +2127,7 @@
     </p:spTree>
     <p:extLst>
       <p:ext uri="{BB962C8B-B14F-4D97-AF65-F5344CB8AC3E}">
-        <p14:creationId xmlns:p14="http://schemas.microsoft.com/office/powerpoint/2010/main" val="4060736153"/>
+        <p14:creationId xmlns:p14="http://schemas.microsoft.com/office/powerpoint/2010/main" val="2334475611"/>
       </p:ext>
     </p:extLst>
   </p:cSld>
@@ -2159,7 +2159,7 @@
           <p:cNvPr id="2" name="标题 1">
             <a:extLst>
               <a:ext uri="{FF2B5EF4-FFF2-40B4-BE49-F238E27FC236}">
-                <a16:creationId xmlns:a16="http://schemas.microsoft.com/office/drawing/2014/main" id="{65A39817-CEFE-0462-D5E2-5FB137560327}"/>
+                <a16:creationId xmlns:a16="http://schemas.microsoft.com/office/drawing/2014/main" id="{806C3A54-9A9E-C583-9288-4D95D0470AFB}"/>
               </a:ext>
             </a:extLst>
           </p:cNvPr>
@@ -2196,7 +2196,7 @@
           <p:cNvPr id="3" name="内容占位符 2">
             <a:extLst>
               <a:ext uri="{FF2B5EF4-FFF2-40B4-BE49-F238E27FC236}">
-                <a16:creationId xmlns:a16="http://schemas.microsoft.com/office/drawing/2014/main" id="{E4EA81AC-3A6F-66AF-3DF0-DDFE684F2473}"/>
+                <a16:creationId xmlns:a16="http://schemas.microsoft.com/office/drawing/2014/main" id="{0D7DC5A5-19D4-AADA-0F65-A373BED4ACB8}"/>
               </a:ext>
             </a:extLst>
           </p:cNvPr>
@@ -2286,7 +2286,7 @@
           <p:cNvPr id="4" name="文本占位符 3">
             <a:extLst>
               <a:ext uri="{FF2B5EF4-FFF2-40B4-BE49-F238E27FC236}">
-                <a16:creationId xmlns:a16="http://schemas.microsoft.com/office/drawing/2014/main" id="{C5B0C329-8DE4-45CB-9E83-2DA2507B1CE2}"/>
+                <a16:creationId xmlns:a16="http://schemas.microsoft.com/office/drawing/2014/main" id="{A2AF7BB7-D089-CA61-2321-17A163889F33}"/>
               </a:ext>
             </a:extLst>
           </p:cNvPr>
@@ -2357,7 +2357,7 @@
           <p:cNvPr id="5" name="日期占位符 4">
             <a:extLst>
               <a:ext uri="{FF2B5EF4-FFF2-40B4-BE49-F238E27FC236}">
-                <a16:creationId xmlns:a16="http://schemas.microsoft.com/office/drawing/2014/main" id="{C5441B76-E695-795F-6205-E8FA7A9E44FB}"/>
+                <a16:creationId xmlns:a16="http://schemas.microsoft.com/office/drawing/2014/main" id="{3522B582-7352-BAE1-B3DF-7BC7D9A76BE1}"/>
               </a:ext>
             </a:extLst>
           </p:cNvPr>
@@ -2373,7 +2373,7 @@
           <a:bodyPr/>
           <a:lstStyle/>
           <a:p>
-            <a:fld id="{019DF0A4-F5AE-4258-9A18-7AF7CC524BC1}" type="datetimeFigureOut">
+            <a:fld id="{FB716D67-15B7-4412-A944-102EF51E2242}" type="datetimeFigureOut">
               <a:rPr lang="zh-CN" altLang="en-US" smtClean="0"/>
               <a:t>2024/3/10</a:t>
             </a:fld>
@@ -2386,7 +2386,7 @@
           <p:cNvPr id="6" name="页脚占位符 5">
             <a:extLst>
               <a:ext uri="{FF2B5EF4-FFF2-40B4-BE49-F238E27FC236}">
-                <a16:creationId xmlns:a16="http://schemas.microsoft.com/office/drawing/2014/main" id="{2F37F4D5-C317-9CCA-B72D-3E108BE06B75}"/>
+                <a16:creationId xmlns:a16="http://schemas.microsoft.com/office/drawing/2014/main" id="{BF16E129-28E5-DF01-572E-8E1BE0E8CECD}"/>
               </a:ext>
             </a:extLst>
           </p:cNvPr>
@@ -2411,7 +2411,7 @@
           <p:cNvPr id="7" name="灯片编号占位符 6">
             <a:extLst>
               <a:ext uri="{FF2B5EF4-FFF2-40B4-BE49-F238E27FC236}">
-                <a16:creationId xmlns:a16="http://schemas.microsoft.com/office/drawing/2014/main" id="{0745D4C3-42C3-569C-447A-53A251EB1CA6}"/>
+                <a16:creationId xmlns:a16="http://schemas.microsoft.com/office/drawing/2014/main" id="{58C4DB89-3192-3B7E-C36C-BEC5948F5C5C}"/>
               </a:ext>
             </a:extLst>
           </p:cNvPr>
@@ -2427,7 +2427,7 @@
           <a:bodyPr/>
           <a:lstStyle/>
           <a:p>
-            <a:fld id="{8F809732-B16B-4986-ABE8-07D23286BADA}" type="slidenum">
+            <a:fld id="{AAC3413F-D851-4041-A122-52770A824764}" type="slidenum">
               <a:rPr lang="zh-CN" altLang="en-US" smtClean="0"/>
               <a:t>‹#›</a:t>
             </a:fld>
@@ -2438,7 +2438,7 @@
     </p:spTree>
     <p:extLst>
       <p:ext uri="{BB962C8B-B14F-4D97-AF65-F5344CB8AC3E}">
-        <p14:creationId xmlns:p14="http://schemas.microsoft.com/office/powerpoint/2010/main" val="740445300"/>
+        <p14:creationId xmlns:p14="http://schemas.microsoft.com/office/powerpoint/2010/main" val="916653366"/>
       </p:ext>
     </p:extLst>
   </p:cSld>
@@ -2470,7 +2470,7 @@
           <p:cNvPr id="2" name="标题 1">
             <a:extLst>
               <a:ext uri="{FF2B5EF4-FFF2-40B4-BE49-F238E27FC236}">
-                <a16:creationId xmlns:a16="http://schemas.microsoft.com/office/drawing/2014/main" id="{27F04FA4-4E82-26C3-CA13-BB3320B67401}"/>
+                <a16:creationId xmlns:a16="http://schemas.microsoft.com/office/drawing/2014/main" id="{E3BEEE84-7D96-EE3C-2D26-602282BB9EE7}"/>
               </a:ext>
             </a:extLst>
           </p:cNvPr>
@@ -2507,7 +2507,7 @@
           <p:cNvPr id="3" name="图片占位符 2">
             <a:extLst>
               <a:ext uri="{FF2B5EF4-FFF2-40B4-BE49-F238E27FC236}">
-                <a16:creationId xmlns:a16="http://schemas.microsoft.com/office/drawing/2014/main" id="{92B618D4-2554-2C74-55B0-F62F14880073}"/>
+                <a16:creationId xmlns:a16="http://schemas.microsoft.com/office/drawing/2014/main" id="{73D93FBE-F827-211F-4B48-906A6275846F}"/>
               </a:ext>
             </a:extLst>
           </p:cNvPr>
@@ -2574,7 +2574,7 @@
           <p:cNvPr id="4" name="文本占位符 3">
             <a:extLst>
               <a:ext uri="{FF2B5EF4-FFF2-40B4-BE49-F238E27FC236}">
-                <a16:creationId xmlns:a16="http://schemas.microsoft.com/office/drawing/2014/main" id="{9840EB0B-A032-A365-0C2E-EC6832DC46BC}"/>
+                <a16:creationId xmlns:a16="http://schemas.microsoft.com/office/drawing/2014/main" id="{93F3A695-D13D-3EE2-8299-88F4861B75E3}"/>
               </a:ext>
             </a:extLst>
           </p:cNvPr>
@@ -2645,7 +2645,7 @@
           <p:cNvPr id="5" name="日期占位符 4">
             <a:extLst>
               <a:ext uri="{FF2B5EF4-FFF2-40B4-BE49-F238E27FC236}">
-                <a16:creationId xmlns:a16="http://schemas.microsoft.com/office/drawing/2014/main" id="{9B429E83-B067-F724-91D4-936DD7B4E885}"/>
+                <a16:creationId xmlns:a16="http://schemas.microsoft.com/office/drawing/2014/main" id="{30840E90-2599-EFBB-75B8-2244B93E4F56}"/>
               </a:ext>
             </a:extLst>
           </p:cNvPr>
@@ -2661,7 +2661,7 @@
           <a:bodyPr/>
           <a:lstStyle/>
           <a:p>
-            <a:fld id="{019DF0A4-F5AE-4258-9A18-7AF7CC524BC1}" type="datetimeFigureOut">
+            <a:fld id="{FB716D67-15B7-4412-A944-102EF51E2242}" type="datetimeFigureOut">
               <a:rPr lang="zh-CN" altLang="en-US" smtClean="0"/>
               <a:t>2024/3/10</a:t>
             </a:fld>
@@ -2674,7 +2674,7 @@
           <p:cNvPr id="6" name="页脚占位符 5">
             <a:extLst>
               <a:ext uri="{FF2B5EF4-FFF2-40B4-BE49-F238E27FC236}">
-                <a16:creationId xmlns:a16="http://schemas.microsoft.com/office/drawing/2014/main" id="{A5B8BE62-1319-F353-86F1-14D153314D44}"/>
+                <a16:creationId xmlns:a16="http://schemas.microsoft.com/office/drawing/2014/main" id="{79A36255-A5C7-41B5-9854-9EAF2CD38A7F}"/>
               </a:ext>
             </a:extLst>
           </p:cNvPr>
@@ -2699,7 +2699,7 @@
           <p:cNvPr id="7" name="灯片编号占位符 6">
             <a:extLst>
               <a:ext uri="{FF2B5EF4-FFF2-40B4-BE49-F238E27FC236}">
-                <a16:creationId xmlns:a16="http://schemas.microsoft.com/office/drawing/2014/main" id="{A57EE52E-CED8-5A5D-CB4B-B6CBB782CAB0}"/>
+                <a16:creationId xmlns:a16="http://schemas.microsoft.com/office/drawing/2014/main" id="{26B43D58-E60C-DEB4-97BD-182633EB9EE4}"/>
               </a:ext>
             </a:extLst>
           </p:cNvPr>
@@ -2715,7 +2715,7 @@
           <a:bodyPr/>
           <a:lstStyle/>
           <a:p>
-            <a:fld id="{8F809732-B16B-4986-ABE8-07D23286BADA}" type="slidenum">
+            <a:fld id="{AAC3413F-D851-4041-A122-52770A824764}" type="slidenum">
               <a:rPr lang="zh-CN" altLang="en-US" smtClean="0"/>
               <a:t>‹#›</a:t>
             </a:fld>
@@ -2726,7 +2726,7 @@
     </p:spTree>
     <p:extLst>
       <p:ext uri="{BB962C8B-B14F-4D97-AF65-F5344CB8AC3E}">
-        <p14:creationId xmlns:p14="http://schemas.microsoft.com/office/powerpoint/2010/main" val="3925288704"/>
+        <p14:creationId xmlns:p14="http://schemas.microsoft.com/office/powerpoint/2010/main" val="1824035741"/>
       </p:ext>
     </p:extLst>
   </p:cSld>
@@ -2763,7 +2763,7 @@
           <p:cNvPr id="2" name="标题占位符 1">
             <a:extLst>
               <a:ext uri="{FF2B5EF4-FFF2-40B4-BE49-F238E27FC236}">
-                <a16:creationId xmlns:a16="http://schemas.microsoft.com/office/drawing/2014/main" id="{116AAC4F-515B-3996-08D8-63D88FE693FC}"/>
+                <a16:creationId xmlns:a16="http://schemas.microsoft.com/office/drawing/2014/main" id="{E48F3173-4A57-6949-57BC-71636FDB26F7}"/>
               </a:ext>
             </a:extLst>
           </p:cNvPr>
@@ -2801,7 +2801,7 @@
           <p:cNvPr id="3" name="文本占位符 2">
             <a:extLst>
               <a:ext uri="{FF2B5EF4-FFF2-40B4-BE49-F238E27FC236}">
-                <a16:creationId xmlns:a16="http://schemas.microsoft.com/office/drawing/2014/main" id="{65DECD5F-A14C-29C3-2218-55EF9BA33846}"/>
+                <a16:creationId xmlns:a16="http://schemas.microsoft.com/office/drawing/2014/main" id="{FE893A6D-520D-170D-3934-1752A6B153F7}"/>
               </a:ext>
             </a:extLst>
           </p:cNvPr>
@@ -2868,7 +2868,7 @@
           <p:cNvPr id="4" name="日期占位符 3">
             <a:extLst>
               <a:ext uri="{FF2B5EF4-FFF2-40B4-BE49-F238E27FC236}">
-                <a16:creationId xmlns:a16="http://schemas.microsoft.com/office/drawing/2014/main" id="{29784833-15B5-B142-D788-E0B0105D9D87}"/>
+                <a16:creationId xmlns:a16="http://schemas.microsoft.com/office/drawing/2014/main" id="{9765F9ED-6335-7901-26F2-1341E660047E}"/>
               </a:ext>
             </a:extLst>
           </p:cNvPr>
@@ -2902,7 +2902,7 @@
             </a:lvl1pPr>
           </a:lstStyle>
           <a:p>
-            <a:fld id="{019DF0A4-F5AE-4258-9A18-7AF7CC524BC1}" type="datetimeFigureOut">
+            <a:fld id="{FB716D67-15B7-4412-A944-102EF51E2242}" type="datetimeFigureOut">
               <a:rPr lang="zh-CN" altLang="en-US" smtClean="0"/>
               <a:t>2024/3/10</a:t>
             </a:fld>
@@ -2915,7 +2915,7 @@
           <p:cNvPr id="5" name="页脚占位符 4">
             <a:extLst>
               <a:ext uri="{FF2B5EF4-FFF2-40B4-BE49-F238E27FC236}">
-                <a16:creationId xmlns:a16="http://schemas.microsoft.com/office/drawing/2014/main" id="{B32C3164-45CF-E411-0948-FD02EDCDF15F}"/>
+                <a16:creationId xmlns:a16="http://schemas.microsoft.com/office/drawing/2014/main" id="{1BD700EC-AEA2-32BC-05FB-057DFA9F7A7C}"/>
               </a:ext>
             </a:extLst>
           </p:cNvPr>
@@ -2958,7 +2958,7 @@
           <p:cNvPr id="6" name="灯片编号占位符 5">
             <a:extLst>
               <a:ext uri="{FF2B5EF4-FFF2-40B4-BE49-F238E27FC236}">
-                <a16:creationId xmlns:a16="http://schemas.microsoft.com/office/drawing/2014/main" id="{74BCCEBC-C43E-37DE-C061-A08738386A63}"/>
+                <a16:creationId xmlns:a16="http://schemas.microsoft.com/office/drawing/2014/main" id="{345935A6-CE21-CC15-76EF-964B78250116}"/>
               </a:ext>
             </a:extLst>
           </p:cNvPr>
@@ -2992,7 +2992,7 @@
             </a:lvl1pPr>
           </a:lstStyle>
           <a:p>
-            <a:fld id="{8F809732-B16B-4986-ABE8-07D23286BADA}" type="slidenum">
+            <a:fld id="{AAC3413F-D851-4041-A122-52770A824764}" type="slidenum">
               <a:rPr lang="zh-CN" altLang="en-US" smtClean="0"/>
               <a:t>‹#›</a:t>
             </a:fld>
@@ -3003,7 +3003,7 @@
     </p:spTree>
     <p:extLst>
       <p:ext uri="{BB962C8B-B14F-4D97-AF65-F5344CB8AC3E}">
-        <p14:creationId xmlns:p14="http://schemas.microsoft.com/office/powerpoint/2010/main" val="2001094693"/>
+        <p14:creationId xmlns:p14="http://schemas.microsoft.com/office/powerpoint/2010/main" val="1993162959"/>
       </p:ext>
     </p:extLst>
   </p:cSld>
